--- a/Useful/for_lec9/python_mp_pool.pptx
+++ b/Useful/for_lec9/python_mp_pool.pptx
@@ -154,15 +154,20 @@
           <p:nvPr userDrawn="1"/>
         </p:nvPicPr>
         <p:blipFill>
-          <a:blip r:embed="rId2"/>
-          <a:stretch>
-            <a:fillRect/>
-          </a:stretch>
+          <a:blip r:embed="rId2">
+            <a:extLst>
+              <a:ext uri="{28A0092B-C50C-407E-A947-70E740481C1C}">
+                <a14:useLocalDpi xmlns:a14="http://schemas.microsoft.com/office/drawing/2010/main" val="0"/>
+              </a:ext>
+            </a:extLst>
+          </a:blip>
+          <a:srcRect/>
+          <a:stretch/>
         </p:blipFill>
         <p:spPr>
           <a:xfrm>
-            <a:off x="10989273" y="5648582"/>
-            <a:ext cx="1056396" cy="1067067"/>
+            <a:off x="10989273" y="5654572"/>
+            <a:ext cx="1056396" cy="1055086"/>
           </a:xfrm>
           <a:prstGeom prst="rect">
             <a:avLst/>
@@ -9690,7 +9695,7 @@
           <a:graphicData uri="http://schemas.openxmlformats.org/presentationml/2006/ole">
             <mc:AlternateContent xmlns:mc="http://schemas.openxmlformats.org/markup-compatibility/2006">
               <mc:Choice xmlns:v="urn:schemas-microsoft-com:vml" Requires="v">
-                <p:oleObj spid="_x0000_s36866" r:id="rId4" imgW="790200" imgH="523800" progId="">
+                <p:oleObj spid="_x0000_s36869" r:id="rId4" imgW="790200" imgH="523800" progId="">
                   <p:embed/>
                 </p:oleObj>
               </mc:Choice>
@@ -9753,7 +9758,7 @@
           <a:graphicData uri="http://schemas.openxmlformats.org/presentationml/2006/ole">
             <mc:AlternateContent xmlns:mc="http://schemas.openxmlformats.org/markup-compatibility/2006">
               <mc:Choice xmlns:v="urn:schemas-microsoft-com:vml" Requires="v">
-                <p:oleObj spid="_x0000_s36867" r:id="rId6" imgW="790200" imgH="523800" progId="">
+                <p:oleObj spid="_x0000_s36870" r:id="rId6" imgW="790200" imgH="523800" progId="">
                   <p:embed/>
                 </p:oleObj>
               </mc:Choice>
@@ -9816,7 +9821,7 @@
           <a:graphicData uri="http://schemas.openxmlformats.org/presentationml/2006/ole">
             <mc:AlternateContent xmlns:mc="http://schemas.openxmlformats.org/markup-compatibility/2006">
               <mc:Choice xmlns:v="urn:schemas-microsoft-com:vml" Requires="v">
-                <p:oleObj spid="_x0000_s36868" r:id="rId7" imgW="790200" imgH="523800" progId="">
+                <p:oleObj spid="_x0000_s36871" r:id="rId7" imgW="790200" imgH="523800" progId="">
                   <p:embed/>
                 </p:oleObj>
               </mc:Choice>
@@ -14228,7 +14233,7 @@
           <a:graphicData uri="http://schemas.openxmlformats.org/presentationml/2006/ole">
             <mc:AlternateContent xmlns:mc="http://schemas.openxmlformats.org/markup-compatibility/2006">
               <mc:Choice xmlns:v="urn:schemas-microsoft-com:vml" Requires="v">
-                <p:oleObj spid="_x0000_s37890" r:id="rId4" imgW="790200" imgH="523800" progId="">
+                <p:oleObj spid="_x0000_s37893" r:id="rId4" imgW="790200" imgH="523800" progId="">
                   <p:embed/>
                 </p:oleObj>
               </mc:Choice>
@@ -14291,7 +14296,7 @@
           <a:graphicData uri="http://schemas.openxmlformats.org/presentationml/2006/ole">
             <mc:AlternateContent xmlns:mc="http://schemas.openxmlformats.org/markup-compatibility/2006">
               <mc:Choice xmlns:v="urn:schemas-microsoft-com:vml" Requires="v">
-                <p:oleObj spid="_x0000_s37891" r:id="rId6" imgW="790200" imgH="523800" progId="">
+                <p:oleObj spid="_x0000_s37894" r:id="rId6" imgW="790200" imgH="523800" progId="">
                   <p:embed/>
                 </p:oleObj>
               </mc:Choice>
@@ -14354,7 +14359,7 @@
           <a:graphicData uri="http://schemas.openxmlformats.org/presentationml/2006/ole">
             <mc:AlternateContent xmlns:mc="http://schemas.openxmlformats.org/markup-compatibility/2006">
               <mc:Choice xmlns:v="urn:schemas-microsoft-com:vml" Requires="v">
-                <p:oleObj spid="_x0000_s37892" r:id="rId7" imgW="790200" imgH="523800" progId="">
+                <p:oleObj spid="_x0000_s37895" r:id="rId7" imgW="790200" imgH="523800" progId="">
                   <p:embed/>
                 </p:oleObj>
               </mc:Choice>
@@ -18775,7 +18780,7 @@
           <a:graphicData uri="http://schemas.openxmlformats.org/presentationml/2006/ole">
             <mc:AlternateContent xmlns:mc="http://schemas.openxmlformats.org/markup-compatibility/2006">
               <mc:Choice xmlns:v="urn:schemas-microsoft-com:vml" Requires="v">
-                <p:oleObj spid="_x0000_s38914" r:id="rId4" imgW="790200" imgH="523800" progId="">
+                <p:oleObj spid="_x0000_s38917" r:id="rId4" imgW="790200" imgH="523800" progId="">
                   <p:embed/>
                 </p:oleObj>
               </mc:Choice>
@@ -18838,7 +18843,7 @@
           <a:graphicData uri="http://schemas.openxmlformats.org/presentationml/2006/ole">
             <mc:AlternateContent xmlns:mc="http://schemas.openxmlformats.org/markup-compatibility/2006">
               <mc:Choice xmlns:v="urn:schemas-microsoft-com:vml" Requires="v">
-                <p:oleObj spid="_x0000_s38915" r:id="rId6" imgW="790200" imgH="523800" progId="">
+                <p:oleObj spid="_x0000_s38918" r:id="rId6" imgW="790200" imgH="523800" progId="">
                   <p:embed/>
                 </p:oleObj>
               </mc:Choice>
@@ -18901,7 +18906,7 @@
           <a:graphicData uri="http://schemas.openxmlformats.org/presentationml/2006/ole">
             <mc:AlternateContent xmlns:mc="http://schemas.openxmlformats.org/markup-compatibility/2006">
               <mc:Choice xmlns:v="urn:schemas-microsoft-com:vml" Requires="v">
-                <p:oleObj spid="_x0000_s38916" r:id="rId7" imgW="790200" imgH="523800" progId="">
+                <p:oleObj spid="_x0000_s38919" r:id="rId7" imgW="790200" imgH="523800" progId="">
                   <p:embed/>
                 </p:oleObj>
               </mc:Choice>
@@ -23297,7 +23302,7 @@
           <a:graphicData uri="http://schemas.openxmlformats.org/presentationml/2006/ole">
             <mc:AlternateContent xmlns:mc="http://schemas.openxmlformats.org/markup-compatibility/2006">
               <mc:Choice xmlns:v="urn:schemas-microsoft-com:vml" Requires="v">
-                <p:oleObj spid="_x0000_s39938" r:id="rId4" imgW="790200" imgH="523800" progId="">
+                <p:oleObj spid="_x0000_s39941" r:id="rId4" imgW="790200" imgH="523800" progId="">
                   <p:embed/>
                 </p:oleObj>
               </mc:Choice>
@@ -23360,7 +23365,7 @@
           <a:graphicData uri="http://schemas.openxmlformats.org/presentationml/2006/ole">
             <mc:AlternateContent xmlns:mc="http://schemas.openxmlformats.org/markup-compatibility/2006">
               <mc:Choice xmlns:v="urn:schemas-microsoft-com:vml" Requires="v">
-                <p:oleObj spid="_x0000_s39939" r:id="rId6" imgW="790200" imgH="523800" progId="">
+                <p:oleObj spid="_x0000_s39942" r:id="rId6" imgW="790200" imgH="523800" progId="">
                   <p:embed/>
                 </p:oleObj>
               </mc:Choice>
@@ -23423,7 +23428,7 @@
           <a:graphicData uri="http://schemas.openxmlformats.org/presentationml/2006/ole">
             <mc:AlternateContent xmlns:mc="http://schemas.openxmlformats.org/markup-compatibility/2006">
               <mc:Choice xmlns:v="urn:schemas-microsoft-com:vml" Requires="v">
-                <p:oleObj spid="_x0000_s39940" r:id="rId7" imgW="790200" imgH="523800" progId="">
+                <p:oleObj spid="_x0000_s39943" r:id="rId7" imgW="790200" imgH="523800" progId="">
                   <p:embed/>
                 </p:oleObj>
               </mc:Choice>
@@ -27835,7 +27840,7 @@
           <a:graphicData uri="http://schemas.openxmlformats.org/presentationml/2006/ole">
             <mc:AlternateContent xmlns:mc="http://schemas.openxmlformats.org/markup-compatibility/2006">
               <mc:Choice xmlns:v="urn:schemas-microsoft-com:vml" Requires="v">
-                <p:oleObj spid="_x0000_s40962" r:id="rId4" imgW="790200" imgH="523800" progId="">
+                <p:oleObj spid="_x0000_s40965" r:id="rId4" imgW="790200" imgH="523800" progId="">
                   <p:embed/>
                 </p:oleObj>
               </mc:Choice>
@@ -27898,7 +27903,7 @@
           <a:graphicData uri="http://schemas.openxmlformats.org/presentationml/2006/ole">
             <mc:AlternateContent xmlns:mc="http://schemas.openxmlformats.org/markup-compatibility/2006">
               <mc:Choice xmlns:v="urn:schemas-microsoft-com:vml" Requires="v">
-                <p:oleObj spid="_x0000_s40963" r:id="rId6" imgW="790200" imgH="523800" progId="">
+                <p:oleObj spid="_x0000_s40966" r:id="rId6" imgW="790200" imgH="523800" progId="">
                   <p:embed/>
                 </p:oleObj>
               </mc:Choice>
@@ -27961,7 +27966,7 @@
           <a:graphicData uri="http://schemas.openxmlformats.org/presentationml/2006/ole">
             <mc:AlternateContent xmlns:mc="http://schemas.openxmlformats.org/markup-compatibility/2006">
               <mc:Choice xmlns:v="urn:schemas-microsoft-com:vml" Requires="v">
-                <p:oleObj spid="_x0000_s40964" r:id="rId7" imgW="790200" imgH="523800" progId="">
+                <p:oleObj spid="_x0000_s40967" r:id="rId7" imgW="790200" imgH="523800" progId="">
                   <p:embed/>
                 </p:oleObj>
               </mc:Choice>
@@ -32602,7 +32607,7 @@
           <a:graphicData uri="http://schemas.openxmlformats.org/presentationml/2006/ole">
             <mc:AlternateContent xmlns:mc="http://schemas.openxmlformats.org/markup-compatibility/2006">
               <mc:Choice xmlns:v="urn:schemas-microsoft-com:vml" Requires="v">
-                <p:oleObj spid="_x0000_s41986" r:id="rId4" imgW="790200" imgH="523800" progId="">
+                <p:oleObj spid="_x0000_s41989" r:id="rId4" imgW="790200" imgH="523800" progId="">
                   <p:embed/>
                 </p:oleObj>
               </mc:Choice>
@@ -32665,7 +32670,7 @@
           <a:graphicData uri="http://schemas.openxmlformats.org/presentationml/2006/ole">
             <mc:AlternateContent xmlns:mc="http://schemas.openxmlformats.org/markup-compatibility/2006">
               <mc:Choice xmlns:v="urn:schemas-microsoft-com:vml" Requires="v">
-                <p:oleObj spid="_x0000_s41987" r:id="rId6" imgW="790200" imgH="523800" progId="">
+                <p:oleObj spid="_x0000_s41990" r:id="rId6" imgW="790200" imgH="523800" progId="">
                   <p:embed/>
                 </p:oleObj>
               </mc:Choice>
@@ -32728,7 +32733,7 @@
           <a:graphicData uri="http://schemas.openxmlformats.org/presentationml/2006/ole">
             <mc:AlternateContent xmlns:mc="http://schemas.openxmlformats.org/markup-compatibility/2006">
               <mc:Choice xmlns:v="urn:schemas-microsoft-com:vml" Requires="v">
-                <p:oleObj spid="_x0000_s41988" r:id="rId7" imgW="790200" imgH="523800" progId="">
+                <p:oleObj spid="_x0000_s41991" r:id="rId7" imgW="790200" imgH="523800" progId="">
                   <p:embed/>
                 </p:oleObj>
               </mc:Choice>
